--- a/repro_pipeline/reproducible_pipeline.pptx
+++ b/repro_pipeline/reproducible_pipeline.pptx
@@ -270,7 +270,7 @@
           <a:p>
             <a:fld id="{93B522A3-CC03-E04A-9428-4D01695867D5}" type="datetimeFigureOut">
               <a:rPr lang="en-US" smtClean="0"/>
-              <a:t>12/21/23</a:t>
+              <a:t>1/9/24</a:t>
             </a:fld>
             <a:endParaRPr lang="en-US"/>
           </a:p>
@@ -468,7 +468,7 @@
           <a:p>
             <a:fld id="{93B522A3-CC03-E04A-9428-4D01695867D5}" type="datetimeFigureOut">
               <a:rPr lang="en-US" smtClean="0"/>
-              <a:t>12/21/23</a:t>
+              <a:t>1/9/24</a:t>
             </a:fld>
             <a:endParaRPr lang="en-US"/>
           </a:p>
@@ -676,7 +676,7 @@
           <a:p>
             <a:fld id="{93B522A3-CC03-E04A-9428-4D01695867D5}" type="datetimeFigureOut">
               <a:rPr lang="en-US" smtClean="0"/>
-              <a:t>12/21/23</a:t>
+              <a:t>1/9/24</a:t>
             </a:fld>
             <a:endParaRPr lang="en-US"/>
           </a:p>
@@ -874,7 +874,7 @@
           <a:p>
             <a:fld id="{93B522A3-CC03-E04A-9428-4D01695867D5}" type="datetimeFigureOut">
               <a:rPr lang="en-US" smtClean="0"/>
-              <a:t>12/21/23</a:t>
+              <a:t>1/9/24</a:t>
             </a:fld>
             <a:endParaRPr lang="en-US"/>
           </a:p>
@@ -1149,7 +1149,7 @@
           <a:p>
             <a:fld id="{93B522A3-CC03-E04A-9428-4D01695867D5}" type="datetimeFigureOut">
               <a:rPr lang="en-US" smtClean="0"/>
-              <a:t>12/21/23</a:t>
+              <a:t>1/9/24</a:t>
             </a:fld>
             <a:endParaRPr lang="en-US"/>
           </a:p>
@@ -1414,7 +1414,7 @@
           <a:p>
             <a:fld id="{93B522A3-CC03-E04A-9428-4D01695867D5}" type="datetimeFigureOut">
               <a:rPr lang="en-US" smtClean="0"/>
-              <a:t>12/21/23</a:t>
+              <a:t>1/9/24</a:t>
             </a:fld>
             <a:endParaRPr lang="en-US"/>
           </a:p>
@@ -1826,7 +1826,7 @@
           <a:p>
             <a:fld id="{93B522A3-CC03-E04A-9428-4D01695867D5}" type="datetimeFigureOut">
               <a:rPr lang="en-US" smtClean="0"/>
-              <a:t>12/21/23</a:t>
+              <a:t>1/9/24</a:t>
             </a:fld>
             <a:endParaRPr lang="en-US"/>
           </a:p>
@@ -1967,7 +1967,7 @@
           <a:p>
             <a:fld id="{93B522A3-CC03-E04A-9428-4D01695867D5}" type="datetimeFigureOut">
               <a:rPr lang="en-US" smtClean="0"/>
-              <a:t>12/21/23</a:t>
+              <a:t>1/9/24</a:t>
             </a:fld>
             <a:endParaRPr lang="en-US"/>
           </a:p>
@@ -2080,7 +2080,7 @@
           <a:p>
             <a:fld id="{93B522A3-CC03-E04A-9428-4D01695867D5}" type="datetimeFigureOut">
               <a:rPr lang="en-US" smtClean="0"/>
-              <a:t>12/21/23</a:t>
+              <a:t>1/9/24</a:t>
             </a:fld>
             <a:endParaRPr lang="en-US"/>
           </a:p>
@@ -2391,7 +2391,7 @@
           <a:p>
             <a:fld id="{93B522A3-CC03-E04A-9428-4D01695867D5}" type="datetimeFigureOut">
               <a:rPr lang="en-US" smtClean="0"/>
-              <a:t>12/21/23</a:t>
+              <a:t>1/9/24</a:t>
             </a:fld>
             <a:endParaRPr lang="en-US"/>
           </a:p>
@@ -2679,7 +2679,7 @@
           <a:p>
             <a:fld id="{93B522A3-CC03-E04A-9428-4D01695867D5}" type="datetimeFigureOut">
               <a:rPr lang="en-US" smtClean="0"/>
-              <a:t>12/21/23</a:t>
+              <a:t>1/9/24</a:t>
             </a:fld>
             <a:endParaRPr lang="en-US"/>
           </a:p>
@@ -2925,7 +2925,7 @@
           <a:p>
             <a:fld id="{93B522A3-CC03-E04A-9428-4D01695867D5}" type="datetimeFigureOut">
               <a:rPr lang="en-US" smtClean="0"/>
-              <a:t>12/21/23</a:t>
+              <a:t>1/9/24</a:t>
             </a:fld>
             <a:endParaRPr lang="en-US"/>
           </a:p>
@@ -3586,7 +3586,7 @@
       </p:pic>
       <p:pic>
         <p:nvPicPr>
-          <p:cNvPr id="23" name="Picture 22" descr="A black letter on a white background&#10;&#10;Description automatically generated">
+          <p:cNvPr id="23" name="Picture 22">
             <a:extLst>
               <a:ext uri="{FF2B5EF4-FFF2-40B4-BE49-F238E27FC236}">
                 <a16:creationId xmlns:a16="http://schemas.microsoft.com/office/drawing/2014/main" id="{A9013AA2-7A7C-4497-5EF7-B8F361E24C31}"/>
@@ -3600,14 +3600,13 @@
         </p:nvPicPr>
         <p:blipFill>
           <a:blip r:embed="rId6"/>
-          <a:stretch>
-            <a:fillRect/>
-          </a:stretch>
+          <a:srcRect/>
+          <a:stretch/>
         </p:blipFill>
         <p:spPr>
           <a:xfrm>
-            <a:off x="495068" y="5733450"/>
-            <a:ext cx="3016661" cy="921345"/>
+            <a:off x="1542468" y="5577340"/>
+            <a:ext cx="1960033" cy="1135800"/>
           </a:xfrm>
           <a:prstGeom prst="rect">
             <a:avLst/>
@@ -4109,8 +4108,8 @@
         </p:nvSpPr>
         <p:spPr>
           <a:xfrm rot="10800000">
-            <a:off x="1116868" y="4344538"/>
-            <a:ext cx="268609" cy="1304314"/>
+            <a:off x="1432815" y="4339335"/>
+            <a:ext cx="219306" cy="1135800"/>
           </a:xfrm>
           <a:prstGeom prst="downArrow">
             <a:avLst/>

--- a/repro_pipeline/reproducible_pipeline.pptx
+++ b/repro_pipeline/reproducible_pipeline.pptx
@@ -270,7 +270,7 @@
           <a:p>
             <a:fld id="{93B522A3-CC03-E04A-9428-4D01695867D5}" type="datetimeFigureOut">
               <a:rPr lang="en-US" smtClean="0"/>
-              <a:t>1/9/24</a:t>
+              <a:t>1/12/24</a:t>
             </a:fld>
             <a:endParaRPr lang="en-US"/>
           </a:p>
@@ -468,7 +468,7 @@
           <a:p>
             <a:fld id="{93B522A3-CC03-E04A-9428-4D01695867D5}" type="datetimeFigureOut">
               <a:rPr lang="en-US" smtClean="0"/>
-              <a:t>1/9/24</a:t>
+              <a:t>1/12/24</a:t>
             </a:fld>
             <a:endParaRPr lang="en-US"/>
           </a:p>
@@ -676,7 +676,7 @@
           <a:p>
             <a:fld id="{93B522A3-CC03-E04A-9428-4D01695867D5}" type="datetimeFigureOut">
               <a:rPr lang="en-US" smtClean="0"/>
-              <a:t>1/9/24</a:t>
+              <a:t>1/12/24</a:t>
             </a:fld>
             <a:endParaRPr lang="en-US"/>
           </a:p>
@@ -874,7 +874,7 @@
           <a:p>
             <a:fld id="{93B522A3-CC03-E04A-9428-4D01695867D5}" type="datetimeFigureOut">
               <a:rPr lang="en-US" smtClean="0"/>
-              <a:t>1/9/24</a:t>
+              <a:t>1/12/24</a:t>
             </a:fld>
             <a:endParaRPr lang="en-US"/>
           </a:p>
@@ -1149,7 +1149,7 @@
           <a:p>
             <a:fld id="{93B522A3-CC03-E04A-9428-4D01695867D5}" type="datetimeFigureOut">
               <a:rPr lang="en-US" smtClean="0"/>
-              <a:t>1/9/24</a:t>
+              <a:t>1/12/24</a:t>
             </a:fld>
             <a:endParaRPr lang="en-US"/>
           </a:p>
@@ -1414,7 +1414,7 @@
           <a:p>
             <a:fld id="{93B522A3-CC03-E04A-9428-4D01695867D5}" type="datetimeFigureOut">
               <a:rPr lang="en-US" smtClean="0"/>
-              <a:t>1/9/24</a:t>
+              <a:t>1/12/24</a:t>
             </a:fld>
             <a:endParaRPr lang="en-US"/>
           </a:p>
@@ -1826,7 +1826,7 @@
           <a:p>
             <a:fld id="{93B522A3-CC03-E04A-9428-4D01695867D5}" type="datetimeFigureOut">
               <a:rPr lang="en-US" smtClean="0"/>
-              <a:t>1/9/24</a:t>
+              <a:t>1/12/24</a:t>
             </a:fld>
             <a:endParaRPr lang="en-US"/>
           </a:p>
@@ -1967,7 +1967,7 @@
           <a:p>
             <a:fld id="{93B522A3-CC03-E04A-9428-4D01695867D5}" type="datetimeFigureOut">
               <a:rPr lang="en-US" smtClean="0"/>
-              <a:t>1/9/24</a:t>
+              <a:t>1/12/24</a:t>
             </a:fld>
             <a:endParaRPr lang="en-US"/>
           </a:p>
@@ -2080,7 +2080,7 @@
           <a:p>
             <a:fld id="{93B522A3-CC03-E04A-9428-4D01695867D5}" type="datetimeFigureOut">
               <a:rPr lang="en-US" smtClean="0"/>
-              <a:t>1/9/24</a:t>
+              <a:t>1/12/24</a:t>
             </a:fld>
             <a:endParaRPr lang="en-US"/>
           </a:p>
@@ -2391,7 +2391,7 @@
           <a:p>
             <a:fld id="{93B522A3-CC03-E04A-9428-4D01695867D5}" type="datetimeFigureOut">
               <a:rPr lang="en-US" smtClean="0"/>
-              <a:t>1/9/24</a:t>
+              <a:t>1/12/24</a:t>
             </a:fld>
             <a:endParaRPr lang="en-US"/>
           </a:p>
@@ -2679,7 +2679,7 @@
           <a:p>
             <a:fld id="{93B522A3-CC03-E04A-9428-4D01695867D5}" type="datetimeFigureOut">
               <a:rPr lang="en-US" smtClean="0"/>
-              <a:t>1/9/24</a:t>
+              <a:t>1/12/24</a:t>
             </a:fld>
             <a:endParaRPr lang="en-US"/>
           </a:p>
@@ -2925,7 +2925,7 @@
           <a:p>
             <a:fld id="{93B522A3-CC03-E04A-9428-4D01695867D5}" type="datetimeFigureOut">
               <a:rPr lang="en-US" smtClean="0"/>
-              <a:t>1/9/24</a:t>
+              <a:t>1/12/24</a:t>
             </a:fld>
             <a:endParaRPr lang="en-US"/>
           </a:p>
@@ -4311,7 +4311,7 @@
             <a:pPr algn="ctr"/>
             <a:r>
               <a:rPr lang="en-US" dirty="0"/>
-              <a:t>Reproducibility results in Happy Healthy Frogs</a:t>
+              <a:t>Reproducible results in Happy Healthy Frogs</a:t>
             </a:r>
           </a:p>
         </p:txBody>

--- a/repro_pipeline/reproducible_pipeline.pptx
+++ b/repro_pipeline/reproducible_pipeline.pptx
@@ -3364,8 +3364,8 @@
         </p:blipFill>
         <p:spPr>
           <a:xfrm>
-            <a:off x="271157" y="172778"/>
-            <a:ext cx="2751257" cy="1540704"/>
+            <a:off x="2925753" y="335217"/>
+            <a:ext cx="1745838" cy="977669"/>
           </a:xfrm>
           <a:prstGeom prst="rect">
             <a:avLst/>
@@ -3394,8 +3394,8 @@
         </p:blipFill>
         <p:spPr>
           <a:xfrm>
-            <a:off x="5528976" y="429510"/>
-            <a:ext cx="3489254" cy="1224461"/>
+            <a:off x="6661081" y="468651"/>
+            <a:ext cx="2430868" cy="853049"/>
           </a:xfrm>
           <a:prstGeom prst="rect">
             <a:avLst/>
@@ -3765,7 +3765,7 @@
         </p:nvSpPr>
         <p:spPr>
           <a:xfrm rot="16200000">
-            <a:off x="4029760" y="298380"/>
+            <a:off x="5457532" y="174967"/>
             <a:ext cx="274300" cy="1490402"/>
           </a:xfrm>
           <a:prstGeom prst="downArrow">
@@ -3866,7 +3866,7 @@
         </p:nvSpPr>
         <p:spPr>
           <a:xfrm>
-            <a:off x="3000167" y="343855"/>
+            <a:off x="4427939" y="220442"/>
             <a:ext cx="2402125" cy="646331"/>
           </a:xfrm>
           <a:prstGeom prst="rect">
@@ -4312,6 +4312,118 @@
             <a:r>
               <a:rPr lang="en-US" dirty="0"/>
               <a:t>Reproducible results in Happy Healthy Frogs</a:t>
+            </a:r>
+          </a:p>
+        </p:txBody>
+      </p:sp>
+      <p:pic>
+        <p:nvPicPr>
+          <p:cNvPr id="11" name="Picture 10" descr="A black text on a white background&#10;&#10;Description automatically generated">
+            <a:extLst>
+              <a:ext uri="{FF2B5EF4-FFF2-40B4-BE49-F238E27FC236}">
+                <a16:creationId xmlns:a16="http://schemas.microsoft.com/office/drawing/2014/main" id="{E2E359EF-9B69-D6B6-33D6-77173A06E104}"/>
+              </a:ext>
+            </a:extLst>
+          </p:cNvPr>
+          <p:cNvPicPr>
+            <a:picLocks noChangeAspect="1"/>
+          </p:cNvPicPr>
+          <p:nvPr/>
+        </p:nvPicPr>
+        <p:blipFill>
+          <a:blip r:embed="rId8"/>
+          <a:stretch>
+            <a:fillRect/>
+          </a:stretch>
+        </p:blipFill>
+        <p:spPr>
+          <a:xfrm>
+            <a:off x="59137" y="597236"/>
+            <a:ext cx="2016880" cy="539074"/>
+          </a:xfrm>
+          <a:prstGeom prst="rect">
+            <a:avLst/>
+          </a:prstGeom>
+        </p:spPr>
+      </p:pic>
+      <p:sp>
+        <p:nvSpPr>
+          <p:cNvPr id="12" name="Down Arrow 11">
+            <a:extLst>
+              <a:ext uri="{FF2B5EF4-FFF2-40B4-BE49-F238E27FC236}">
+                <a16:creationId xmlns:a16="http://schemas.microsoft.com/office/drawing/2014/main" id="{EA825D0E-F858-D60C-BC07-553002FCEA55}"/>
+              </a:ext>
+            </a:extLst>
+          </p:cNvPr>
+          <p:cNvSpPr/>
+          <p:nvPr/>
+        </p:nvSpPr>
+        <p:spPr>
+          <a:xfrm rot="16200000">
+            <a:off x="2398464" y="584772"/>
+            <a:ext cx="204843" cy="642261"/>
+          </a:xfrm>
+          <a:prstGeom prst="downArrow">
+            <a:avLst/>
+          </a:prstGeom>
+        </p:spPr>
+        <p:style>
+          <a:lnRef idx="2">
+            <a:schemeClr val="accent1">
+              <a:shade val="15000"/>
+            </a:schemeClr>
+          </a:lnRef>
+          <a:fillRef idx="1">
+            <a:schemeClr val="accent1"/>
+          </a:fillRef>
+          <a:effectRef idx="0">
+            <a:schemeClr val="accent1"/>
+          </a:effectRef>
+          <a:fontRef idx="minor">
+            <a:schemeClr val="lt1"/>
+          </a:fontRef>
+        </p:style>
+        <p:txBody>
+          <a:bodyPr rtlCol="0" anchor="ctr"/>
+          <a:lstStyle/>
+          <a:p>
+            <a:pPr algn="ctr"/>
+            <a:endParaRPr lang="en-US"/>
+          </a:p>
+        </p:txBody>
+      </p:sp>
+      <p:sp>
+        <p:nvSpPr>
+          <p:cNvPr id="16" name="TextBox 15">
+            <a:extLst>
+              <a:ext uri="{FF2B5EF4-FFF2-40B4-BE49-F238E27FC236}">
+                <a16:creationId xmlns:a16="http://schemas.microsoft.com/office/drawing/2014/main" id="{398349C5-12DC-6037-0FE6-2AF5A2A900E5}"/>
+              </a:ext>
+            </a:extLst>
+          </p:cNvPr>
+          <p:cNvSpPr txBox="1"/>
+          <p:nvPr/>
+        </p:nvSpPr>
+        <p:spPr>
+          <a:xfrm>
+            <a:off x="2082973" y="497441"/>
+            <a:ext cx="835824" cy="369332"/>
+          </a:xfrm>
+          <a:prstGeom prst="rect">
+            <a:avLst/>
+          </a:prstGeom>
+          <a:noFill/>
+        </p:spPr>
+        <p:txBody>
+          <a:bodyPr wrap="square" rtlCol="0">
+            <a:spAutoFit/>
+          </a:bodyPr>
+          <a:lstStyle/>
+          <a:p>
+            <a:pPr algn="ctr"/>
+            <a:r>
+              <a:rPr lang="en-US" dirty="0"/>
+              <a:t>QA/QC</a:t>
             </a:r>
           </a:p>
         </p:txBody>
